--- a/W1 - PfD Intro.pptx
+++ b/W1 - PfD Intro.pptx
@@ -5,7 +5,7 @@
     <p:sldMasterId id="2147483648" r:id="rId1"/>
   </p:sldMasterIdLst>
   <p:notesMasterIdLst>
-    <p:notesMasterId r:id="rId15"/>
+    <p:notesMasterId r:id="rId16"/>
   </p:notesMasterIdLst>
   <p:sldIdLst>
     <p:sldId id="303" r:id="rId2"/>
@@ -21,6 +21,7 @@
     <p:sldId id="312" r:id="rId12"/>
     <p:sldId id="314" r:id="rId13"/>
     <p:sldId id="313" r:id="rId14"/>
+    <p:sldId id="315" r:id="rId15"/>
   </p:sldIdLst>
   <p:sldSz cx="9144000" cy="5143500" type="screen16x9"/>
   <p:notesSz cx="6858000" cy="9144000"/>
@@ -17087,6 +17088,184 @@
     <p:extLst>
       <p:ext uri="{BB962C8B-B14F-4D97-AF65-F5344CB8AC3E}">
         <p14:creationId xmlns:p14="http://schemas.microsoft.com/office/powerpoint/2010/main" val="229311289"/>
+      </p:ext>
+    </p:extLst>
+  </p:cSld>
+  <p:clrMapOvr>
+    <a:masterClrMapping/>
+  </p:clrMapOvr>
+</p:sld>
+</file>
+
+<file path=ppt/slides/slide14.xml><?xml version="1.0" encoding="utf-8"?>
+<p:sld xmlns:a="http://schemas.openxmlformats.org/drawingml/2006/main" xmlns:r="http://schemas.openxmlformats.org/officeDocument/2006/relationships" xmlns:p="http://schemas.openxmlformats.org/presentationml/2006/main">
+  <p:cSld>
+    <p:spTree>
+      <p:nvGrpSpPr>
+        <p:cNvPr id="1" name=""/>
+        <p:cNvGrpSpPr/>
+        <p:nvPr/>
+      </p:nvGrpSpPr>
+      <p:grpSpPr>
+        <a:xfrm>
+          <a:off x="0" y="0"/>
+          <a:ext cx="0" cy="0"/>
+          <a:chOff x="0" y="0"/>
+          <a:chExt cx="0" cy="0"/>
+        </a:xfrm>
+      </p:grpSpPr>
+      <p:sp>
+        <p:nvSpPr>
+          <p:cNvPr id="3" name="Text Placeholder 2">
+            <a:extLst>
+              <a:ext uri="{FF2B5EF4-FFF2-40B4-BE49-F238E27FC236}">
+                <a16:creationId xmlns:a16="http://schemas.microsoft.com/office/drawing/2014/main" id="{038307CA-9FA6-4E06-BCB5-B4E567F293DB}"/>
+              </a:ext>
+            </a:extLst>
+          </p:cNvPr>
+          <p:cNvSpPr>
+            <a:spLocks noGrp="1"/>
+          </p:cNvSpPr>
+          <p:nvPr>
+            <p:ph type="body" sz="quarter" idx="14"/>
+          </p:nvPr>
+        </p:nvSpPr>
+        <p:spPr/>
+        <p:txBody>
+          <a:bodyPr/>
+          <a:lstStyle/>
+          <a:p>
+            <a:r>
+              <a:rPr lang="en-AU" dirty="0"/>
+              <a:t>11055 </a:t>
+            </a:r>
+            <a:r>
+              <a:rPr lang="en-AU" dirty="0" err="1"/>
+              <a:t>PfD</a:t>
+            </a:r>
+            <a:endParaRPr lang="en-AU" dirty="0"/>
+          </a:p>
+        </p:txBody>
+      </p:sp>
+      <p:sp>
+        <p:nvSpPr>
+          <p:cNvPr id="4" name="Text Placeholder 3">
+            <a:extLst>
+              <a:ext uri="{FF2B5EF4-FFF2-40B4-BE49-F238E27FC236}">
+                <a16:creationId xmlns:a16="http://schemas.microsoft.com/office/drawing/2014/main" id="{BF7F05B6-A890-4FA0-9CDC-EF3E131B07C7}"/>
+              </a:ext>
+            </a:extLst>
+          </p:cNvPr>
+          <p:cNvSpPr>
+            <a:spLocks noGrp="1"/>
+          </p:cNvSpPr>
+          <p:nvPr>
+            <p:ph type="body" sz="quarter" idx="15"/>
+          </p:nvPr>
+        </p:nvSpPr>
+        <p:spPr/>
+        <p:txBody>
+          <a:bodyPr/>
+          <a:lstStyle/>
+          <a:p>
+            <a:r>
+              <a:rPr lang="en-AU" dirty="0"/>
+              <a:t>5/8/19 – S2W1</a:t>
+            </a:r>
+          </a:p>
+        </p:txBody>
+      </p:sp>
+      <p:sp>
+        <p:nvSpPr>
+          <p:cNvPr id="5" name="TextBox 4">
+            <a:extLst>
+              <a:ext uri="{FF2B5EF4-FFF2-40B4-BE49-F238E27FC236}">
+                <a16:creationId xmlns:a16="http://schemas.microsoft.com/office/drawing/2014/main" id="{BC086C65-11F3-4FC9-B94E-87E962448874}"/>
+              </a:ext>
+            </a:extLst>
+          </p:cNvPr>
+          <p:cNvSpPr txBox="1"/>
+          <p:nvPr/>
+        </p:nvSpPr>
+        <p:spPr>
+          <a:xfrm>
+            <a:off x="571500" y="1257300"/>
+            <a:ext cx="8108950" cy="3139321"/>
+          </a:xfrm>
+          <a:prstGeom prst="rect">
+            <a:avLst/>
+          </a:prstGeom>
+          <a:noFill/>
+        </p:spPr>
+        <p:txBody>
+          <a:bodyPr wrap="square" rtlCol="0">
+            <a:spAutoFit/>
+          </a:bodyPr>
+          <a:lstStyle/>
+          <a:p>
+            <a:r>
+              <a:rPr lang="en-AU" dirty="0"/>
+              <a:t>Create a GitHub Account</a:t>
+            </a:r>
+          </a:p>
+          <a:p>
+            <a:endParaRPr lang="en-AU" dirty="0"/>
+          </a:p>
+          <a:p>
+            <a:r>
+              <a:rPr lang="en-AU" dirty="0"/>
+              <a:t>Go to </a:t>
+            </a:r>
+            <a:r>
+              <a:rPr lang="en-AU" dirty="0">
+                <a:hlinkClick r:id="rId2"/>
+              </a:rPr>
+              <a:t>https://github.com/UC-Design/11055-PfD-2019-2</a:t>
+            </a:r>
+            <a:endParaRPr lang="en-AU" dirty="0"/>
+          </a:p>
+          <a:p>
+            <a:endParaRPr lang="en-AU" dirty="0"/>
+          </a:p>
+          <a:p>
+            <a:r>
+              <a:rPr lang="en-AU" dirty="0"/>
+              <a:t>Clone or Download the Repository</a:t>
+            </a:r>
+          </a:p>
+          <a:p>
+            <a:endParaRPr lang="en-AU" dirty="0"/>
+          </a:p>
+          <a:p>
+            <a:r>
+              <a:rPr lang="en-AU" dirty="0"/>
+              <a:t>Create a new branch (your name or student number)</a:t>
+            </a:r>
+          </a:p>
+          <a:p>
+            <a:endParaRPr lang="en-AU" dirty="0"/>
+          </a:p>
+          <a:p>
+            <a:r>
+              <a:rPr lang="en-AU" dirty="0"/>
+              <a:t>Add a file to your branch</a:t>
+            </a:r>
+          </a:p>
+          <a:p>
+            <a:endParaRPr lang="en-AU" dirty="0"/>
+          </a:p>
+          <a:p>
+            <a:r>
+              <a:rPr lang="en-AU" dirty="0"/>
+              <a:t>Publish your branch</a:t>
+            </a:r>
+          </a:p>
+        </p:txBody>
+      </p:sp>
+    </p:spTree>
+    <p:extLst>
+      <p:ext uri="{BB962C8B-B14F-4D97-AF65-F5344CB8AC3E}">
+        <p14:creationId xmlns:p14="http://schemas.microsoft.com/office/powerpoint/2010/main" val="1058752260"/>
       </p:ext>
     </p:extLst>
   </p:cSld>
